--- a/Szybki sposób na aplikację w chmurze.pptx
+++ b/Szybki sposób na aplikację w chmurze.pptx
@@ -111,6 +111,11 @@
       </a:defRPr>
     </a:lvl9pPr>
   </p:defaultTextStyle>
+  <p:extLst>
+    <p:ext uri="{EFAFB233-063F-42B5-8137-9DF3F51BA10A}">
+      <p15:sldGuideLst xmlns:p15="http://schemas.microsoft.com/office/powerpoint/2012/main"/>
+    </p:ext>
+  </p:extLst>
 </p:presentation>
 </file>
 
@@ -297,7 +302,7 @@
           <a:p>
             <a:fld id="{4AAD347D-5ACD-4C99-B74B-A9C85AD731AF}" type="datetimeFigureOut">
               <a:rPr lang="en-US" dirty="0"/>
-              <a:t>5/6/2018</a:t>
+              <a:t>5/7/2018</a:t>
             </a:fld>
             <a:endParaRPr lang="en-US" dirty="0"/>
           </a:p>
@@ -567,7 +572,7 @@
           <a:p>
             <a:fld id="{4509A250-FF31-4206-8172-F9D3106AACB1}" type="datetimeFigureOut">
               <a:rPr lang="en-US" dirty="0"/>
-              <a:t>5/6/2018</a:t>
+              <a:t>5/7/2018</a:t>
             </a:fld>
             <a:endParaRPr lang="en-US" dirty="0"/>
           </a:p>
@@ -756,7 +761,7 @@
           <a:p>
             <a:fld id="{4509A250-FF31-4206-8172-F9D3106AACB1}" type="datetimeFigureOut">
               <a:rPr lang="en-US" dirty="0"/>
-              <a:t>5/6/2018</a:t>
+              <a:t>5/7/2018</a:t>
             </a:fld>
             <a:endParaRPr lang="en-US" dirty="0"/>
           </a:p>
@@ -1019,7 +1024,7 @@
           <a:p>
             <a:fld id="{4509A250-FF31-4206-8172-F9D3106AACB1}" type="datetimeFigureOut">
               <a:rPr lang="en-US" dirty="0"/>
-              <a:t>5/6/2018</a:t>
+              <a:t>5/7/2018</a:t>
             </a:fld>
             <a:endParaRPr lang="en-US" dirty="0"/>
           </a:p>
@@ -1346,7 +1351,7 @@
           <a:p>
             <a:fld id="{4509A250-FF31-4206-8172-F9D3106AACB1}" type="datetimeFigureOut">
               <a:rPr lang="en-US" dirty="0"/>
-              <a:t>5/6/2018</a:t>
+              <a:t>5/7/2018</a:t>
             </a:fld>
             <a:endParaRPr lang="en-US" dirty="0"/>
           </a:p>
@@ -1951,7 +1956,7 @@
           <a:p>
             <a:fld id="{4509A250-FF31-4206-8172-F9D3106AACB1}" type="datetimeFigureOut">
               <a:rPr lang="en-US" dirty="0"/>
-              <a:t>5/6/2018</a:t>
+              <a:t>5/7/2018</a:t>
             </a:fld>
             <a:endParaRPr lang="en-US" dirty="0"/>
           </a:p>
@@ -2793,7 +2798,7 @@
           <a:p>
             <a:fld id="{4509A250-FF31-4206-8172-F9D3106AACB1}" type="datetimeFigureOut">
               <a:rPr lang="en-US" dirty="0"/>
-              <a:t>5/6/2018</a:t>
+              <a:t>5/7/2018</a:t>
             </a:fld>
             <a:endParaRPr lang="en-US" dirty="0"/>
           </a:p>
@@ -2958,7 +2963,7 @@
           <a:p>
             <a:fld id="{4509A250-FF31-4206-8172-F9D3106AACB1}" type="datetimeFigureOut">
               <a:rPr lang="en-US" dirty="0"/>
-              <a:t>5/6/2018</a:t>
+              <a:t>5/7/2018</a:t>
             </a:fld>
             <a:endParaRPr lang="en-US" dirty="0"/>
           </a:p>
@@ -3133,7 +3138,7 @@
           <a:p>
             <a:fld id="{4509A250-FF31-4206-8172-F9D3106AACB1}" type="datetimeFigureOut">
               <a:rPr lang="en-US" dirty="0"/>
-              <a:t>5/6/2018</a:t>
+              <a:t>5/7/2018</a:t>
             </a:fld>
             <a:endParaRPr lang="en-US" dirty="0"/>
           </a:p>
@@ -3298,7 +3303,7 @@
           <a:p>
             <a:fld id="{4509A250-FF31-4206-8172-F9D3106AACB1}" type="datetimeFigureOut">
               <a:rPr lang="en-US" dirty="0"/>
-              <a:t>5/6/2018</a:t>
+              <a:t>5/7/2018</a:t>
             </a:fld>
             <a:endParaRPr lang="en-US" dirty="0"/>
           </a:p>
@@ -3537,7 +3542,7 @@
           <a:p>
             <a:fld id="{4509A250-FF31-4206-8172-F9D3106AACB1}" type="datetimeFigureOut">
               <a:rPr lang="en-US" dirty="0"/>
-              <a:t>5/6/2018</a:t>
+              <a:t>5/7/2018</a:t>
             </a:fld>
             <a:endParaRPr lang="en-US" dirty="0"/>
           </a:p>
@@ -3824,7 +3829,7 @@
           <a:p>
             <a:fld id="{4509A250-FF31-4206-8172-F9D3106AACB1}" type="datetimeFigureOut">
               <a:rPr lang="en-US" dirty="0"/>
-              <a:t>5/6/2018</a:t>
+              <a:t>5/7/2018</a:t>
             </a:fld>
             <a:endParaRPr lang="en-US" dirty="0"/>
           </a:p>
@@ -4257,7 +4262,7 @@
           <a:p>
             <a:fld id="{4509A250-FF31-4206-8172-F9D3106AACB1}" type="datetimeFigureOut">
               <a:rPr lang="en-US" dirty="0"/>
-              <a:t>5/6/2018</a:t>
+              <a:t>5/7/2018</a:t>
             </a:fld>
             <a:endParaRPr lang="en-US" dirty="0"/>
           </a:p>
@@ -4370,7 +4375,7 @@
           <a:p>
             <a:fld id="{4509A250-FF31-4206-8172-F9D3106AACB1}" type="datetimeFigureOut">
               <a:rPr lang="en-US" dirty="0"/>
-              <a:t>5/6/2018</a:t>
+              <a:t>5/7/2018</a:t>
             </a:fld>
             <a:endParaRPr lang="en-US" dirty="0"/>
           </a:p>
@@ -4460,7 +4465,7 @@
           <a:p>
             <a:fld id="{4509A250-FF31-4206-8172-F9D3106AACB1}" type="datetimeFigureOut">
               <a:rPr lang="en-US" dirty="0"/>
-              <a:t>5/6/2018</a:t>
+              <a:t>5/7/2018</a:t>
             </a:fld>
             <a:endParaRPr lang="en-US" dirty="0"/>
           </a:p>
@@ -4734,7 +4739,7 @@
           <a:p>
             <a:fld id="{4509A250-FF31-4206-8172-F9D3106AACB1}" type="datetimeFigureOut">
               <a:rPr lang="en-US" dirty="0"/>
-              <a:t>5/6/2018</a:t>
+              <a:t>5/7/2018</a:t>
             </a:fld>
             <a:endParaRPr lang="en-US" dirty="0"/>
           </a:p>
@@ -5004,7 +5009,7 @@
           <a:p>
             <a:fld id="{4509A250-FF31-4206-8172-F9D3106AACB1}" type="datetimeFigureOut">
               <a:rPr lang="en-US" dirty="0"/>
-              <a:t>5/6/2018</a:t>
+              <a:t>5/7/2018</a:t>
             </a:fld>
             <a:endParaRPr lang="en-US" dirty="0"/>
           </a:p>
@@ -5428,7 +5433,7 @@
           <a:p>
             <a:fld id="{4509A250-FF31-4206-8172-F9D3106AACB1}" type="datetimeFigureOut">
               <a:rPr lang="en-US" dirty="0"/>
-              <a:t>5/6/2018</a:t>
+              <a:t>5/7/2018</a:t>
             </a:fld>
             <a:endParaRPr lang="en-US" dirty="0"/>
           </a:p>
@@ -6666,13 +6671,13 @@
         </p:nvSpPr>
         <p:spPr>
           <a:xfrm>
-            <a:off x="1103312" y="2052918"/>
-            <a:ext cx="9185747" cy="4471450"/>
+            <a:off x="811370" y="1687132"/>
+            <a:ext cx="9477690" cy="4837236"/>
           </a:xfrm>
         </p:spPr>
         <p:txBody>
           <a:bodyPr>
-            <a:normAutofit fontScale="55000" lnSpcReduction="20000"/>
+            <a:normAutofit fontScale="77500" lnSpcReduction="20000"/>
           </a:bodyPr>
           <a:lstStyle/>
           <a:p>
@@ -6685,45 +6690,34 @@
               <a:t> </a:t>
             </a:r>
             <a:r>
-              <a:rPr lang="pl-PL" b="1" dirty="0" err="1"/>
+              <a:rPr lang="pl-PL" b="1" dirty="0" err="1" smtClean="0"/>
               <a:t>App</a:t>
             </a:r>
             <a:r>
-              <a:rPr lang="pl-PL" b="1" dirty="0"/>
+              <a:rPr lang="pl-PL" b="1" dirty="0" smtClean="0"/>
               <a:t> Services</a:t>
             </a:r>
             <a:r>
               <a:rPr lang="pl-PL" dirty="0"/>
-              <a:t> — w pełni zarządzane usługi w chmurze umożliwiające tworzenie i wdrażanie aplikacji natywnych i internetowych w ciągu kilku minut. Masz do dyspozycji znane technologie, takie jak ASP.NET, Java, PHP, Node.js i </a:t>
-            </a:r>
-            <a:r>
-              <a:rPr lang="pl-PL" dirty="0" err="1"/>
-              <a:t>Python</a:t>
+              <a:t> — </a:t>
+            </a:r>
+            <a:r>
+              <a:rPr lang="pl-PL" dirty="0" smtClean="0"/>
+              <a:t>10 aplikacji </a:t>
             </a:r>
             <a:r>
               <a:rPr lang="pl-PL" dirty="0"/>
-              <a:t>. Możesz dodawać różne podstawowe usługi aplikacji, takie jak uwierzytelnianie, integracja z sieciami społecznościowymi i synchronizacja danych offline, bez względu na to, czy dana aplikacja działa w systemie Windows 10, iOS, czy Android. Skonfiguruj przepływy pracy ciągłej integracji i wdrażania z użyciem rozwiązania VSO, GitHub, </a:t>
-            </a:r>
-            <a:r>
-              <a:rPr lang="pl-PL" dirty="0" err="1"/>
-              <a:t>TeamCity</a:t>
-            </a:r>
-            <a:r>
-              <a:rPr lang="pl-PL" dirty="0"/>
-              <a:t>, Hudson lub </a:t>
-            </a:r>
-            <a:r>
-              <a:rPr lang="pl-PL" dirty="0" err="1"/>
-              <a:t>Bitbucket</a:t>
-            </a:r>
-            <a:r>
-              <a:rPr lang="pl-PL" dirty="0"/>
-              <a:t>, co umożliwi automatyczne kompilowanie, testowanie i wdrażanie aplikacji internetowych po każdym pomyślnym zaewidencjonowaniu kodu lub przeprowadzeniu testów integracji.</a:t>
-            </a:r>
-          </a:p>
-          <a:p>
-            <a:r>
-              <a:rPr lang="pl-PL" b="1" dirty="0"/>
+              <a:t>internetowych i mobilnych oraz aplikacji interfejsu </a:t>
+            </a:r>
+            <a:r>
+              <a:rPr lang="pl-PL" dirty="0" smtClean="0"/>
+              <a:t>API</a:t>
+            </a:r>
+            <a:endParaRPr lang="pl-PL" dirty="0" smtClean="0"/>
+          </a:p>
+          <a:p>
+            <a:r>
+              <a:rPr lang="pl-PL" b="1" dirty="0" smtClean="0"/>
               <a:t>Notification </a:t>
             </a:r>
             <a:r>
@@ -6750,66 +6744,150 @@
             </a:r>
             <a:r>
               <a:rPr lang="pl-PL" dirty="0"/>
-              <a:t> — w pełni inteligentna i w pełni zarządzana usługa relacyjnej bazy danych w chmurze. Twórz bezpieczne, globalnie rozproszone aplikacje o ogromnych możliwościach skalowania.</a:t>
-            </a:r>
-          </a:p>
-          <a:p>
+              <a:t> — w pełni inteligentna i w pełni zarządzana usługa relacyjnej bazy danych w chmurze. Twórz bezpieczne, globalnie rozproszone aplikacje o ogromnych możliwościach skalowania</a:t>
+            </a:r>
+            <a:r>
+              <a:rPr lang="pl-PL" dirty="0"/>
+              <a:t>. </a:t>
+            </a:r>
+            <a:r>
+              <a:rPr lang="pl-PL" dirty="0" smtClean="0"/>
+              <a:t>Jedna </a:t>
+            </a:r>
+            <a:r>
+              <a:rPr lang="pl-PL" dirty="0"/>
+              <a:t>darmowa baza 250 GB, </a:t>
+            </a:r>
+            <a:r>
+              <a:rPr lang="pl-PL" dirty="0" smtClean="0"/>
+              <a:t>10DTU.</a:t>
+            </a:r>
+            <a:endParaRPr lang="pl-PL" dirty="0"/>
+          </a:p>
+          <a:p>
+            <a:r>
+              <a:rPr lang="pl-PL" b="1" dirty="0" err="1" smtClean="0"/>
+              <a:t>Functions</a:t>
+            </a:r>
+            <a:r>
+              <a:rPr lang="pl-PL" b="1" dirty="0" smtClean="0"/>
+              <a:t> – </a:t>
+            </a:r>
+            <a:r>
+              <a:rPr lang="pl-PL" dirty="0"/>
+              <a:t>Przetwarzanie zdarzeń za pomocą </a:t>
+            </a:r>
+            <a:r>
+              <a:rPr lang="pl-PL" dirty="0" err="1"/>
+              <a:t>bezserwerowej</a:t>
+            </a:r>
+            <a:r>
+              <a:rPr lang="pl-PL" dirty="0"/>
+              <a:t> architektury kodu. </a:t>
+            </a:r>
+            <a:r>
+              <a:rPr lang="pl-PL" dirty="0" smtClean="0"/>
+              <a:t>1000000 żądań na miesiąc</a:t>
+            </a:r>
+            <a:r>
+              <a:rPr lang="pl-PL" dirty="0" smtClean="0"/>
+              <a:t>.</a:t>
+            </a:r>
+          </a:p>
+          <a:p>
+            <a:r>
+              <a:rPr lang="pl-PL" b="1" dirty="0" smtClean="0"/>
+              <a:t>Microsoft </a:t>
+            </a:r>
+            <a:r>
+              <a:rPr lang="pl-PL" b="1" dirty="0" err="1" smtClean="0"/>
+              <a:t>IoT</a:t>
+            </a:r>
+            <a:r>
+              <a:rPr lang="pl-PL" b="1" dirty="0" smtClean="0"/>
+              <a:t> Hub</a:t>
+            </a:r>
+            <a:r>
+              <a:rPr lang="pl-PL" dirty="0"/>
+              <a:t> </a:t>
+            </a:r>
+            <a:r>
+              <a:rPr lang="pl-PL" dirty="0" smtClean="0"/>
+              <a:t>-</a:t>
+            </a:r>
+            <a:r>
+              <a:rPr lang="pl-PL" dirty="0" smtClean="0"/>
+              <a:t> </a:t>
+            </a:r>
+            <a:r>
+              <a:rPr lang="pl-PL" dirty="0"/>
+              <a:t>Łączenie i monitorowanie miliardów zasobów </a:t>
+            </a:r>
+            <a:r>
+              <a:rPr lang="pl-PL" dirty="0" err="1"/>
+              <a:t>IoT</a:t>
+            </a:r>
+            <a:r>
+              <a:rPr lang="pl-PL" dirty="0"/>
+              <a:t> oraz zarządzanie nimi. </a:t>
+            </a:r>
+            <a:r>
+              <a:rPr lang="pl-PL" dirty="0" smtClean="0"/>
+              <a:t>8000 wiadomości dziennie.</a:t>
+            </a:r>
+          </a:p>
+          <a:p>
+            <a:r>
+              <a:rPr lang="pl-PL" b="1" dirty="0" smtClean="0"/>
+              <a:t>Machine Learning</a:t>
+            </a:r>
+            <a:r>
+              <a:rPr lang="pl-PL" dirty="0" smtClean="0"/>
+              <a:t>- </a:t>
+            </a:r>
+            <a:r>
+              <a:rPr lang="pl-PL" dirty="0"/>
+              <a:t>Tworzenie zaawansowanych aplikacji opartych na chmurze z użyciem uczenia maszynowego. </a:t>
+            </a:r>
+            <a:r>
+              <a:rPr lang="pl-PL" dirty="0" smtClean="0"/>
+              <a:t>100 modułów na eksperyment, 2 darmowych użytkowników.</a:t>
+            </a:r>
+          </a:p>
+          <a:p>
+            <a:r>
+              <a:rPr lang="pl-PL" b="1" dirty="0" smtClean="0"/>
+              <a:t>Visual </a:t>
+            </a:r>
             <a:r>
               <a:rPr lang="pl-PL" b="1" dirty="0"/>
-              <a:t>Baza danych MySQL udostępniana przez funkcję bazy danych MySQL w aplikacji</a:t>
+              <a:t>Studio Team </a:t>
+            </a:r>
+            <a:r>
+              <a:rPr lang="pl-PL" b="1" dirty="0" smtClean="0"/>
+              <a:t>Services</a:t>
+            </a:r>
+            <a:r>
+              <a:rPr lang="pl-PL" dirty="0" smtClean="0"/>
+              <a:t>- </a:t>
             </a:r>
             <a:r>
               <a:rPr lang="pl-PL" dirty="0"/>
-              <a:t> — zapewnia natywną obsługę środowiska MySQL w usługach Web </a:t>
+              <a:t>Kompilowanie aplikacji w dowolnym języku przy użyciu naszej usługi </a:t>
             </a:r>
             <a:r>
               <a:rPr lang="pl-PL" dirty="0" err="1"/>
-              <a:t>Apps</a:t>
+              <a:t>DevOps</a:t>
             </a:r>
             <a:r>
               <a:rPr lang="pl-PL" dirty="0"/>
-              <a:t>. Wdrażaj rozwiązania CMS, takie jak </a:t>
-            </a:r>
-            <a:r>
-              <a:rPr lang="pl-PL" dirty="0" err="1"/>
-              <a:t>WordPress</a:t>
-            </a:r>
-            <a:r>
-              <a:rPr lang="pl-PL" dirty="0"/>
-              <a:t>, </a:t>
-            </a:r>
-            <a:r>
-              <a:rPr lang="pl-PL" dirty="0" err="1"/>
-              <a:t>Joomla</a:t>
-            </a:r>
-            <a:r>
-              <a:rPr lang="pl-PL" dirty="0"/>
-              <a:t> i inne, lub aplikacje niestandardowe z obsługą bazy danych MySQL.</a:t>
-            </a:r>
-          </a:p>
-          <a:p>
-            <a:r>
-              <a:rPr lang="pl-PL" b="1" dirty="0"/>
-              <a:t>Application </a:t>
-            </a:r>
-            <a:r>
-              <a:rPr lang="pl-PL" b="1" dirty="0" err="1"/>
-              <a:t>Insights</a:t>
-            </a:r>
-            <a:r>
-              <a:rPr lang="pl-PL" dirty="0"/>
-              <a:t>. Szczegółowa diagnostyka i analiza danych telemetrycznych dotyczących wydajności, które umożliwiają optymalne działanie usług i aplikacji internetowych. Wyszukuj i analizuj dane, aby stale ulepszać aplikację, poprawiać komfort korzystania z niej i określać priorytet przyszłych inwestycji.</a:t>
-            </a:r>
-          </a:p>
-          <a:p>
-            <a:r>
-              <a:rPr lang="pl-PL" b="1" dirty="0"/>
-              <a:t>Visual Studio Team Services</a:t>
-            </a:r>
-            <a:r>
-              <a:rPr lang="pl-PL" dirty="0"/>
-              <a:t>. Zestaw opartych na chmurze narzędzi do współpracy, które działają z istniejącym środowiskiem IDE lub edytorem, dzięki czemu Twój zespół może wydajnie pracować nad projektami oprogramowania dowolnego rozmiaru.</a:t>
-            </a:r>
+              <a:t>, która oferuje repozytoria Git, ciągłą integrację i ciągłe dostarczanie oraz automatyzację kompilacji. </a:t>
+            </a:r>
+            <a:r>
+              <a:rPr lang="pl-PL" dirty="0" smtClean="0"/>
+              <a:t> 5 użytkowników z nieograniczonymi repozytoriami prywatnymi.</a:t>
+            </a:r>
+            <a:endParaRPr lang="pl-PL" dirty="0"/>
           </a:p>
           <a:p>
             <a:r>
@@ -6817,12 +6895,16 @@
               <a:t>100 </a:t>
             </a:r>
             <a:r>
-              <a:rPr lang="pl-PL" b="1" u="sng" smtClean="0"/>
-              <a:t>USD miesięcznie </a:t>
-            </a:r>
-            <a:r>
               <a:rPr lang="pl-PL" b="1" u="sng" dirty="0" smtClean="0"/>
-              <a:t>do wydania w chmurze (to na pewno jest w nowej subskrypcji nie wiadomo jak to powyżej)</a:t>
+              <a:t>USD </a:t>
+            </a:r>
+            <a:r>
+              <a:rPr lang="pl-PL" b="1" u="sng" dirty="0" smtClean="0"/>
+              <a:t>do wydania w </a:t>
+            </a:r>
+            <a:r>
+              <a:rPr lang="pl-PL" b="1" u="sng" dirty="0" smtClean="0"/>
+              <a:t>chmurze</a:t>
             </a:r>
             <a:endParaRPr lang="pl-PL" b="1" u="sng" dirty="0"/>
           </a:p>
